--- a/Lecture.pptx
+++ b/Lecture.pptx
@@ -10709,7 +10709,7 @@
           <a:p>
             <a:pPr marL="457200" indent="-457200">
               <a:buFont typeface="+mj-lt"/>
-              <a:buAutoNum type="arabicPeriod" startAt="4"/>
+              <a:buAutoNum type="arabicPeriod" startAt="5"/>
             </a:pPr>
             <a:r>
               <a:rPr lang="en-US" dirty="0">
@@ -10727,7 +10727,7 @@
           <a:p>
             <a:pPr marL="457200" indent="-457200">
               <a:buFont typeface="+mj-lt"/>
-              <a:buAutoNum type="arabicPeriod" startAt="4"/>
+              <a:buAutoNum type="arabicPeriod" startAt="5"/>
             </a:pPr>
             <a:endParaRPr lang="en-US" dirty="0"/>
           </a:p>

--- a/Lecture.pptx
+++ b/Lecture.pptx
@@ -9532,6 +9532,13 @@
             <a:r>
               <a:rPr lang="en-US" dirty="0"/>
               <a:t>Sender:</a:t>
+            </a:r>
+          </a:p>
+          <a:p>
+            <a:pPr lvl="2"/>
+            <a:r>
+              <a:rPr lang="en-US" dirty="0"/>
+              <a:t>m= ‘msg’</a:t>
             </a:r>
           </a:p>
           <a:p>
